--- a/dbflute-backstage/misc/session/dbfluteshow/dbfluteshow-product-miracle.pptx
+++ b/dbflute-backstage/misc/session/dbfluteshow/dbfluteshow-product-miracle.pptx
@@ -419,7 +419,7 @@
           <a:p>
             <a:fld id="{2DF66AD8-BC4A-4004-9882-414398D930CA}" type="datetimeFigureOut">
               <a:rPr lang="en-US" smtClean="0"/>
-              <a:t>12/09/29</a:t>
+              <a:t>2014/11/22</a:t>
             </a:fld>
             <a:endParaRPr lang="en-US"/>
           </a:p>
@@ -564,7 +564,7 @@
           <a:p>
             <a:fld id="{2DF66AD8-BC4A-4004-9882-414398D930CA}" type="datetimeFigureOut">
               <a:rPr lang="en-US" smtClean="0"/>
-              <a:t>12/09/29</a:t>
+              <a:t>2014/11/22</a:t>
             </a:fld>
             <a:endParaRPr lang="en-US"/>
           </a:p>
@@ -1149,7 +1149,7 @@
           <a:p>
             <a:fld id="{2DF66AD8-BC4A-4004-9882-414398D930CA}" type="datetimeFigureOut">
               <a:rPr lang="en-US" smtClean="0"/>
-              <a:t>12/09/29</a:t>
+              <a:t>2014/11/22</a:t>
             </a:fld>
             <a:endParaRPr lang="en-US"/>
           </a:p>
@@ -1613,7 +1613,7 @@
           <a:p>
             <a:fld id="{2DF66AD8-BC4A-4004-9882-414398D930CA}" type="datetimeFigureOut">
               <a:rPr lang="en-US" smtClean="0"/>
-              <a:t>12/09/29</a:t>
+              <a:t>2014/11/22</a:t>
             </a:fld>
             <a:endParaRPr lang="en-US"/>
           </a:p>
@@ -1703,7 +1703,7 @@
           <a:p>
             <a:fld id="{2DF66AD8-BC4A-4004-9882-414398D930CA}" type="datetimeFigureOut">
               <a:rPr lang="en-US" smtClean="0"/>
-              <a:t>12/09/29</a:t>
+              <a:t>2014/11/22</a:t>
             </a:fld>
             <a:endParaRPr lang="en-US"/>
           </a:p>
@@ -2013,7 +2013,7 @@
           <a:p>
             <a:fld id="{2DF66AD8-BC4A-4004-9882-414398D930CA}" type="datetimeFigureOut">
               <a:rPr lang="en-US" smtClean="0"/>
-              <a:t>12/09/29</a:t>
+              <a:t>2014/11/22</a:t>
             </a:fld>
             <a:endParaRPr lang="en-US"/>
           </a:p>
@@ -2206,7 +2206,7 @@
           <a:p>
             <a:fld id="{2DF66AD8-BC4A-4004-9882-414398D930CA}" type="datetimeFigureOut">
               <a:rPr lang="en-US" smtClean="0"/>
-              <a:t>12/09/29</a:t>
+              <a:t>2014/11/22</a:t>
             </a:fld>
             <a:endParaRPr lang="en-US"/>
           </a:p>
@@ -2948,7 +2948,7 @@
           <a:p>
             <a:fld id="{2DF66AD8-BC4A-4004-9882-414398D930CA}" type="datetimeFigureOut">
               <a:rPr lang="en-US" smtClean="0"/>
-              <a:t>12/09/29</a:t>
+              <a:t>2014/11/22</a:t>
             </a:fld>
             <a:endParaRPr lang="en-US"/>
           </a:p>
@@ -3286,7 +3286,7 @@
           <a:p>
             <a:fld id="{2DF66AD8-BC4A-4004-9882-414398D930CA}" type="datetimeFigureOut">
               <a:rPr lang="en-US" smtClean="0"/>
-              <a:t>12/09/29</a:t>
+              <a:t>2014/11/22</a:t>
             </a:fld>
             <a:endParaRPr lang="en-US"/>
           </a:p>
@@ -3883,7 +3883,7 @@
           <a:p>
             <a:fld id="{2DF66AD8-BC4A-4004-9882-414398D930CA}" type="datetimeFigureOut">
               <a:rPr lang="en-US" smtClean="0"/>
-              <a:t>12/09/29</a:t>
+              <a:t>2014/11/22</a:t>
             </a:fld>
             <a:endParaRPr lang="en-US"/>
           </a:p>
@@ -4098,7 +4098,7 @@
           <a:p>
             <a:fld id="{2DF66AD8-BC4A-4004-9882-414398D930CA}" type="datetimeFigureOut">
               <a:rPr lang="en-US" smtClean="0"/>
-              <a:t>12/09/29</a:t>
+              <a:t>2014/11/22</a:t>
             </a:fld>
             <a:endParaRPr lang="en-US"/>
           </a:p>
@@ -4299,7 +4299,7 @@
           <a:p>
             <a:fld id="{2DF66AD8-BC4A-4004-9882-414398D930CA}" type="datetimeFigureOut">
               <a:rPr lang="en-US" smtClean="0"/>
-              <a:t>12/09/29</a:t>
+              <a:t>2014/11/22</a:t>
             </a:fld>
             <a:endParaRPr lang="en-US"/>
           </a:p>
@@ -4524,7 +4524,7 @@
           <a:p>
             <a:fld id="{2DF66AD8-BC4A-4004-9882-414398D930CA}" type="datetimeFigureOut">
               <a:rPr lang="en-US" smtClean="0"/>
-              <a:t>12/09/29</a:t>
+              <a:t>2014/11/22</a:t>
             </a:fld>
             <a:endParaRPr lang="en-US"/>
           </a:p>
@@ -4943,7 +4943,7 @@
           <a:p>
             <a:fld id="{2DF66AD8-BC4A-4004-9882-414398D930CA}" type="datetimeFigureOut">
               <a:rPr lang="en-US" smtClean="0"/>
-              <a:t>12/09/29</a:t>
+              <a:t>2014/11/22</a:t>
             </a:fld>
             <a:endParaRPr lang="en-US"/>
           </a:p>
@@ -5241,7 +5241,7 @@
           <a:p>
             <a:fld id="{2DF66AD8-BC4A-4004-9882-414398D930CA}" type="datetimeFigureOut">
               <a:rPr lang="en-US" smtClean="0"/>
-              <a:t>12/09/29</a:t>
+              <a:t>2014/11/22</a:t>
             </a:fld>
             <a:endParaRPr lang="en-US"/>
           </a:p>
@@ -5642,7 +5642,7 @@
           <a:p>
             <a:fld id="{2DF66AD8-BC4A-4004-9882-414398D930CA}" type="datetimeFigureOut">
               <a:rPr lang="en-US" smtClean="0"/>
-              <a:t>12/09/29</a:t>
+              <a:t>2014/11/22</a:t>
             </a:fld>
             <a:endParaRPr lang="en-US"/>
           </a:p>
@@ -6032,7 +6032,7 @@
           <a:p>
             <a:fld id="{2DF66AD8-BC4A-4004-9882-414398D930CA}" type="datetimeFigureOut">
               <a:rPr lang="en-US" smtClean="0"/>
-              <a:t>12/09/29</a:t>
+              <a:t>2014/11/22</a:t>
             </a:fld>
             <a:endParaRPr lang="en-US"/>
           </a:p>
@@ -6379,7 +6379,7 @@
           <a:p>
             <a:fld id="{2DF66AD8-BC4A-4004-9882-414398D930CA}" type="datetimeFigureOut">
               <a:rPr lang="en-US" smtClean="0"/>
-              <a:t>12/09/29</a:t>
+              <a:t>2014/11/22</a:t>
             </a:fld>
             <a:endParaRPr lang="en-US"/>
           </a:p>
@@ -6882,7 +6882,7 @@
           <a:p>
             <a:fld id="{2DF66AD8-BC4A-4004-9882-414398D930CA}" type="datetimeFigureOut">
               <a:rPr lang="en-US" smtClean="0"/>
-              <a:t>12/09/29</a:t>
+              <a:t>2014/11/22</a:t>
             </a:fld>
             <a:endParaRPr lang="en-US"/>
           </a:p>
@@ -7208,7 +7208,7 @@
           <a:p>
             <a:fld id="{2DF66AD8-BC4A-4004-9882-414398D930CA}" type="datetimeFigureOut">
               <a:rPr lang="en-US" smtClean="0"/>
-              <a:t>12/09/29</a:t>
+              <a:t>2014/11/22</a:t>
             </a:fld>
             <a:endParaRPr lang="en-US"/>
           </a:p>
@@ -7564,7 +7564,7 @@
           <a:p>
             <a:fld id="{2DF66AD8-BC4A-4004-9882-414398D930CA}" type="datetimeFigureOut">
               <a:rPr lang="en-US" smtClean="0"/>
-              <a:t>12/09/29</a:t>
+              <a:t>2014/11/22</a:t>
             </a:fld>
             <a:endParaRPr lang="en-US"/>
           </a:p>
@@ -13664,11 +13664,7 @@
             </a:r>
             <a:r>
               <a:rPr kumimoji="1" lang="ja-JP" altLang="en-US" sz="4000" dirty="0" smtClean="0"/>
-              <a:t>度目</a:t>
-            </a:r>
-            <a:r>
-              <a:rPr kumimoji="1" lang="ja-JP" altLang="en-US" sz="4000" dirty="0" smtClean="0"/>
-              <a:t>の</a:t>
+              <a:t>度目の</a:t>
             </a:r>
             <a:r>
               <a:rPr kumimoji="1" lang="en-US" altLang="ja-JP" sz="4000" dirty="0" err="1" smtClean="0"/>
@@ -13720,11 +13716,7 @@
             </a:pPr>
             <a:r>
               <a:rPr lang="ja-JP" altLang="en-US" sz="5400" dirty="0" smtClean="0"/>
-              <a:t>新鮮な</a:t>
-            </a:r>
-            <a:r>
-              <a:rPr lang="ja-JP" altLang="en-US" sz="5400" dirty="0" smtClean="0"/>
-              <a:t>盛り上がり</a:t>
+              <a:t>新鮮な盛り上がり</a:t>
             </a:r>
             <a:endParaRPr kumimoji="1" lang="en-US" altLang="ja-JP" sz="3200" dirty="0" smtClean="0"/>
           </a:p>
@@ -13756,15 +13748,7 @@
                   <a:srgbClr val="FF0000"/>
                 </a:solidFill>
               </a:rPr>
-              <a:t>禁煙のおいしい魚料理のお店</a:t>
-            </a:r>
-            <a:r>
-              <a:rPr lang="ja-JP" altLang="en-US" sz="2800" dirty="0" smtClean="0">
-                <a:solidFill>
-                  <a:srgbClr val="FF0000"/>
-                </a:solidFill>
-              </a:rPr>
-              <a:t>にて</a:t>
+              <a:t>禁煙のおいしい魚料理のお店にて</a:t>
             </a:r>
             <a:endParaRPr kumimoji="1" lang="en-US" altLang="ja-JP" sz="2800" dirty="0" smtClean="0">
               <a:solidFill>
@@ -13975,11 +13959,7 @@
             </a:r>
             <a:r>
               <a:rPr kumimoji="1" lang="ja-JP" altLang="en-US" sz="4000" dirty="0" smtClean="0"/>
-              <a:t>度目</a:t>
-            </a:r>
-            <a:r>
-              <a:rPr kumimoji="1" lang="ja-JP" altLang="en-US" sz="4000" dirty="0" smtClean="0"/>
-              <a:t>の</a:t>
+              <a:t>度目の</a:t>
             </a:r>
             <a:r>
               <a:rPr kumimoji="1" lang="en-US" altLang="ja-JP" sz="4000" dirty="0" err="1" smtClean="0"/>
@@ -14242,11 +14222,7 @@
             </a:r>
             <a:r>
               <a:rPr kumimoji="1" lang="ja-JP" altLang="en-US" sz="4000" dirty="0" smtClean="0"/>
-              <a:t>度目</a:t>
-            </a:r>
-            <a:r>
-              <a:rPr kumimoji="1" lang="ja-JP" altLang="en-US" sz="4000" dirty="0" smtClean="0"/>
-              <a:t>の</a:t>
+              <a:t>度目の</a:t>
             </a:r>
             <a:r>
               <a:rPr kumimoji="1" lang="en-US" altLang="ja-JP" sz="4000" dirty="0" err="1" smtClean="0"/>
@@ -16287,11 +16263,7 @@
             </a:r>
             <a:r>
               <a:rPr kumimoji="1" lang="ja-JP" altLang="en-US" sz="4000" dirty="0" smtClean="0"/>
-              <a:t>度目</a:t>
-            </a:r>
-            <a:r>
-              <a:rPr kumimoji="1" lang="ja-JP" altLang="en-US" sz="4000" dirty="0" smtClean="0"/>
-              <a:t>の</a:t>
+              <a:t>度目の</a:t>
             </a:r>
             <a:r>
               <a:rPr kumimoji="1" lang="en-US" altLang="ja-JP" sz="4000" dirty="0" err="1" smtClean="0"/>
@@ -17564,9 +17536,33 @@
               <a:rPr kumimoji="1" lang="ja-JP" altLang="en-US" sz="5000" dirty="0" smtClean="0"/>
               <a:t>リリース</a:t>
             </a:r>
-            <a:endParaRPr kumimoji="1" lang="en-US" altLang="ja-JP" sz="5000" dirty="0" smtClean="0">
+            <a:endParaRPr kumimoji="1" lang="en-US" altLang="ja-JP" sz="5000" dirty="0" smtClean="0"/>
+          </a:p>
+          <a:p>
+            <a:pPr marL="0" indent="0" algn="ctr">
+              <a:buNone/>
+            </a:pPr>
+            <a:endParaRPr lang="en-US" altLang="ja-JP" sz="5000" dirty="0">
               <a:solidFill>
                 <a:srgbClr val="000090"/>
+              </a:solidFill>
+            </a:endParaRPr>
+          </a:p>
+          <a:p>
+            <a:pPr marL="0" indent="0" algn="r">
+              <a:buNone/>
+            </a:pPr>
+            <a:r>
+              <a:rPr kumimoji="1" lang="en-US" altLang="ja-JP" sz="3600" dirty="0" smtClean="0">
+                <a:solidFill>
+                  <a:srgbClr val="008000"/>
+                </a:solidFill>
+              </a:rPr>
+              <a:t>2012/9/26</a:t>
+            </a:r>
+            <a:endParaRPr kumimoji="1" lang="en-US" altLang="ja-JP" sz="3600" dirty="0" smtClean="0">
+              <a:solidFill>
+                <a:srgbClr val="008000"/>
               </a:solidFill>
             </a:endParaRPr>
           </a:p>
